--- a/Presentations/1_Komponenter_og_Design.pptx
+++ b/Presentations/1_Komponenter_og_Design.pptx
@@ -622,7 +622,7 @@
           <a:p>
             <a:fld id="{D03082E7-391A-408A-AAC4-5DF720CD77DA}" type="datetimeFigureOut">
               <a:rPr lang="en-DK" smtClean="0"/>
-              <a:t>08/12/2020</a:t>
+              <a:t>08/17/2020</a:t>
             </a:fld>
             <a:endParaRPr lang="en-DK"/>
           </a:p>
@@ -822,7 +822,7 @@
           <a:p>
             <a:fld id="{D03082E7-391A-408A-AAC4-5DF720CD77DA}" type="datetimeFigureOut">
               <a:rPr lang="en-DK" smtClean="0"/>
-              <a:t>08/12/2020</a:t>
+              <a:t>08/17/2020</a:t>
             </a:fld>
             <a:endParaRPr lang="en-DK"/>
           </a:p>
@@ -1032,7 +1032,7 @@
           <a:p>
             <a:fld id="{D03082E7-391A-408A-AAC4-5DF720CD77DA}" type="datetimeFigureOut">
               <a:rPr lang="en-DK" smtClean="0"/>
-              <a:t>08/12/2020</a:t>
+              <a:t>08/17/2020</a:t>
             </a:fld>
             <a:endParaRPr lang="en-DK"/>
           </a:p>
@@ -1232,7 +1232,7 @@
           <a:p>
             <a:fld id="{D03082E7-391A-408A-AAC4-5DF720CD77DA}" type="datetimeFigureOut">
               <a:rPr lang="en-DK" smtClean="0"/>
-              <a:t>08/12/2020</a:t>
+              <a:t>08/17/2020</a:t>
             </a:fld>
             <a:endParaRPr lang="en-DK"/>
           </a:p>
@@ -1508,7 +1508,7 @@
           <a:p>
             <a:fld id="{D03082E7-391A-408A-AAC4-5DF720CD77DA}" type="datetimeFigureOut">
               <a:rPr lang="en-DK" smtClean="0"/>
-              <a:t>08/12/2020</a:t>
+              <a:t>08/17/2020</a:t>
             </a:fld>
             <a:endParaRPr lang="en-DK"/>
           </a:p>
@@ -1776,7 +1776,7 @@
           <a:p>
             <a:fld id="{D03082E7-391A-408A-AAC4-5DF720CD77DA}" type="datetimeFigureOut">
               <a:rPr lang="en-DK" smtClean="0"/>
-              <a:t>08/12/2020</a:t>
+              <a:t>08/17/2020</a:t>
             </a:fld>
             <a:endParaRPr lang="en-DK"/>
           </a:p>
@@ -2191,7 +2191,7 @@
           <a:p>
             <a:fld id="{D03082E7-391A-408A-AAC4-5DF720CD77DA}" type="datetimeFigureOut">
               <a:rPr lang="en-DK" smtClean="0"/>
-              <a:t>08/12/2020</a:t>
+              <a:t>08/17/2020</a:t>
             </a:fld>
             <a:endParaRPr lang="en-DK"/>
           </a:p>
@@ -2333,7 +2333,7 @@
           <a:p>
             <a:fld id="{D03082E7-391A-408A-AAC4-5DF720CD77DA}" type="datetimeFigureOut">
               <a:rPr lang="en-DK" smtClean="0"/>
-              <a:t>08/12/2020</a:t>
+              <a:t>08/17/2020</a:t>
             </a:fld>
             <a:endParaRPr lang="en-DK"/>
           </a:p>
@@ -2446,7 +2446,7 @@
           <a:p>
             <a:fld id="{D03082E7-391A-408A-AAC4-5DF720CD77DA}" type="datetimeFigureOut">
               <a:rPr lang="en-DK" smtClean="0"/>
-              <a:t>08/12/2020</a:t>
+              <a:t>08/17/2020</a:t>
             </a:fld>
             <a:endParaRPr lang="en-DK"/>
           </a:p>
@@ -2759,7 +2759,7 @@
           <a:p>
             <a:fld id="{D03082E7-391A-408A-AAC4-5DF720CD77DA}" type="datetimeFigureOut">
               <a:rPr lang="en-DK" smtClean="0"/>
-              <a:t>08/12/2020</a:t>
+              <a:t>08/17/2020</a:t>
             </a:fld>
             <a:endParaRPr lang="en-DK"/>
           </a:p>
@@ -3048,7 +3048,7 @@
           <a:p>
             <a:fld id="{D03082E7-391A-408A-AAC4-5DF720CD77DA}" type="datetimeFigureOut">
               <a:rPr lang="en-DK" smtClean="0"/>
-              <a:t>08/12/2020</a:t>
+              <a:t>08/17/2020</a:t>
             </a:fld>
             <a:endParaRPr lang="en-DK"/>
           </a:p>
@@ -3291,7 +3291,7 @@
           <a:p>
             <a:fld id="{D03082E7-391A-408A-AAC4-5DF720CD77DA}" type="datetimeFigureOut">
               <a:rPr lang="en-DK" smtClean="0"/>
-              <a:t>08/12/2020</a:t>
+              <a:t>08/17/2020</a:t>
             </a:fld>
             <a:endParaRPr lang="en-DK"/>
           </a:p>
@@ -8674,6 +8674,41 @@
           </a:custGeom>
         </p:spPr>
       </p:pic>
+      <p:sp>
+        <p:nvSpPr>
+          <p:cNvPr id="4" name="TextBox 2">
+            <a:extLst>
+              <a:ext uri="{FF2B5EF4-FFF2-40B4-BE49-F238E27FC236}">
+                <a16:creationId xmlns:a16="http://schemas.microsoft.com/office/drawing/2014/main" id="{FCB44ACD-5F93-4496-BE41-1531D1485457}"/>
+              </a:ext>
+            </a:extLst>
+          </p:cNvPr>
+          <p:cNvSpPr txBox="1"/>
+          <p:nvPr/>
+        </p:nvSpPr>
+        <p:spPr>
+          <a:xfrm>
+            <a:off x="7515993" y="6100579"/>
+            <a:ext cx="3338818" cy="369332"/>
+          </a:xfrm>
+          <a:prstGeom prst="rect">
+            <a:avLst/>
+          </a:prstGeom>
+          <a:noFill/>
+        </p:spPr>
+        <p:txBody>
+          <a:bodyPr wrap="square" rtlCol="0">
+            <a:spAutoFit/>
+          </a:bodyPr>
+          <a:lstStyle/>
+          <a:p>
+            <a:r>
+              <a:rPr lang="da-DK" dirty="0"/>
+              <a:t>Kilde: Lektions slides</a:t>
+            </a:r>
+          </a:p>
+        </p:txBody>
+      </p:sp>
     </p:spTree>
     <p:extLst>
       <p:ext uri="{BB962C8B-B14F-4D97-AF65-F5344CB8AC3E}">

--- a/Presentations/1_Komponenter_og_Design.pptx
+++ b/Presentations/1_Komponenter_og_Design.pptx
@@ -119,358 +119,6 @@
     </p:ext>
   </p:extLst>
 </p:presentation>
-</file>
-
-<file path=ppt/revisionInfo.xml><?xml version="1.0" encoding="utf-8"?>
-<p1510:revInfo xmlns:a="http://schemas.openxmlformats.org/drawingml/2006/main" xmlns:r="http://schemas.openxmlformats.org/officeDocument/2006/relationships" xmlns:p1510="http://schemas.microsoft.com/office/powerpoint/2015/10/main">
-  <p1510:revLst>
-    <p1510:client id="{A97512C2-CF36-4AC2-989A-BBA0201C9579}" v="21" dt="2020-06-05T09:55:05.358"/>
-  </p1510:revLst>
-</p1510:revInfo>
-</file>
-
-<file path=ppt/changesInfos/changesInfo1.xml><?xml version="1.0" encoding="utf-8"?>
-<pc:chgInfo xmlns:a="http://schemas.openxmlformats.org/drawingml/2006/main" xmlns:r="http://schemas.openxmlformats.org/officeDocument/2006/relationships" xmlns:ac="http://schemas.microsoft.com/office/drawing/2013/main/command" xmlns:pc="http://schemas.microsoft.com/office/powerpoint/2013/main/command">
-  <pc:docChgLst>
-    <pc:chgData name="Abdul-Rahman Barakeh" userId="4e39f280a93a8fd9" providerId="LiveId" clId="{A97512C2-CF36-4AC2-989A-BBA0201C9579}"/>
-    <pc:docChg chg="custSel addSld modSld">
-      <pc:chgData name="Abdul-Rahman Barakeh" userId="4e39f280a93a8fd9" providerId="LiveId" clId="{A97512C2-CF36-4AC2-989A-BBA0201C9579}" dt="2020-06-05T10:01:18.315" v="560" actId="14100"/>
-      <pc:docMkLst>
-        <pc:docMk/>
-      </pc:docMkLst>
-      <pc:sldChg chg="modSp">
-        <pc:chgData name="Abdul-Rahman Barakeh" userId="4e39f280a93a8fd9" providerId="LiveId" clId="{A97512C2-CF36-4AC2-989A-BBA0201C9579}" dt="2020-06-05T09:42:34.531" v="159" actId="20577"/>
-        <pc:sldMkLst>
-          <pc:docMk/>
-          <pc:sldMk cId="2000681254" sldId="264"/>
-        </pc:sldMkLst>
-        <pc:spChg chg="mod">
-          <ac:chgData name="Abdul-Rahman Barakeh" userId="4e39f280a93a8fd9" providerId="LiveId" clId="{A97512C2-CF36-4AC2-989A-BBA0201C9579}" dt="2020-06-05T09:42:34.531" v="159" actId="20577"/>
-          <ac:spMkLst>
-            <pc:docMk/>
-            <pc:sldMk cId="2000681254" sldId="264"/>
-            <ac:spMk id="3" creationId="{C4D1207F-55D3-45BA-A7B7-89B5BE854E2F}"/>
-          </ac:spMkLst>
-        </pc:spChg>
-      </pc:sldChg>
-      <pc:sldChg chg="addSp delSp modSp add">
-        <pc:chgData name="Abdul-Rahman Barakeh" userId="4e39f280a93a8fd9" providerId="LiveId" clId="{A97512C2-CF36-4AC2-989A-BBA0201C9579}" dt="2020-06-05T10:01:18.315" v="560" actId="14100"/>
-        <pc:sldMkLst>
-          <pc:docMk/>
-          <pc:sldMk cId="3887247896" sldId="266"/>
-        </pc:sldMkLst>
-        <pc:spChg chg="mod">
-          <ac:chgData name="Abdul-Rahman Barakeh" userId="4e39f280a93a8fd9" providerId="LiveId" clId="{A97512C2-CF36-4AC2-989A-BBA0201C9579}" dt="2020-06-05T09:45:55.362" v="196" actId="6549"/>
-          <ac:spMkLst>
-            <pc:docMk/>
-            <pc:sldMk cId="3887247896" sldId="266"/>
-            <ac:spMk id="2" creationId="{049C9E7B-CF51-4258-91C4-5F0B41E29C38}"/>
-          </ac:spMkLst>
-        </pc:spChg>
-        <pc:spChg chg="mod">
-          <ac:chgData name="Abdul-Rahman Barakeh" userId="4e39f280a93a8fd9" providerId="LiveId" clId="{A97512C2-CF36-4AC2-989A-BBA0201C9579}" dt="2020-06-05T09:57:43.452" v="559" actId="20577"/>
-          <ac:spMkLst>
-            <pc:docMk/>
-            <pc:sldMk cId="3887247896" sldId="266"/>
-            <ac:spMk id="3" creationId="{0A0CF151-1113-48C1-903C-C798D839351B}"/>
-          </ac:spMkLst>
-        </pc:spChg>
-        <pc:spChg chg="add mod">
-          <ac:chgData name="Abdul-Rahman Barakeh" userId="4e39f280a93a8fd9" providerId="LiveId" clId="{A97512C2-CF36-4AC2-989A-BBA0201C9579}" dt="2020-06-05T09:52:59.329" v="303" actId="14100"/>
-          <ac:spMkLst>
-            <pc:docMk/>
-            <pc:sldMk cId="3887247896" sldId="266"/>
-            <ac:spMk id="4" creationId="{6C0F1FDD-01F0-499A-9663-FD69A7FFF903}"/>
-          </ac:spMkLst>
-        </pc:spChg>
-        <pc:spChg chg="add mod">
-          <ac:chgData name="Abdul-Rahman Barakeh" userId="4e39f280a93a8fd9" providerId="LiveId" clId="{A97512C2-CF36-4AC2-989A-BBA0201C9579}" dt="2020-06-05T09:53:02.545" v="304" actId="1076"/>
-          <ac:spMkLst>
-            <pc:docMk/>
-            <pc:sldMk cId="3887247896" sldId="266"/>
-            <ac:spMk id="5" creationId="{EC036B09-D415-478F-BE21-5A8C2205FDC0}"/>
-          </ac:spMkLst>
-        </pc:spChg>
-        <pc:spChg chg="add mod">
-          <ac:chgData name="Abdul-Rahman Barakeh" userId="4e39f280a93a8fd9" providerId="LiveId" clId="{A97512C2-CF36-4AC2-989A-BBA0201C9579}" dt="2020-06-05T09:53:04.345" v="305" actId="1076"/>
-          <ac:spMkLst>
-            <pc:docMk/>
-            <pc:sldMk cId="3887247896" sldId="266"/>
-            <ac:spMk id="6" creationId="{B954639F-5EB4-417C-9FEC-9254D5B05DEC}"/>
-          </ac:spMkLst>
-        </pc:spChg>
-        <pc:spChg chg="add mod">
-          <ac:chgData name="Abdul-Rahman Barakeh" userId="4e39f280a93a8fd9" providerId="LiveId" clId="{A97512C2-CF36-4AC2-989A-BBA0201C9579}" dt="2020-06-05T09:53:23.884" v="307" actId="1076"/>
-          <ac:spMkLst>
-            <pc:docMk/>
-            <pc:sldMk cId="3887247896" sldId="266"/>
-            <ac:spMk id="24" creationId="{434B4417-B219-400C-97C3-BEC263C4FEDE}"/>
-          </ac:spMkLst>
-        </pc:spChg>
-        <pc:spChg chg="add mod">
-          <ac:chgData name="Abdul-Rahman Barakeh" userId="4e39f280a93a8fd9" providerId="LiveId" clId="{A97512C2-CF36-4AC2-989A-BBA0201C9579}" dt="2020-06-05T09:53:29.364" v="309" actId="1076"/>
-          <ac:spMkLst>
-            <pc:docMk/>
-            <pc:sldMk cId="3887247896" sldId="266"/>
-            <ac:spMk id="25" creationId="{AB5EEE7A-FCFB-4134-8794-6556BB6ED060}"/>
-          </ac:spMkLst>
-        </pc:spChg>
-        <pc:spChg chg="add mod">
-          <ac:chgData name="Abdul-Rahman Barakeh" userId="4e39f280a93a8fd9" providerId="LiveId" clId="{A97512C2-CF36-4AC2-989A-BBA0201C9579}" dt="2020-06-05T09:53:35.510" v="311" actId="1076"/>
-          <ac:spMkLst>
-            <pc:docMk/>
-            <pc:sldMk cId="3887247896" sldId="266"/>
-            <ac:spMk id="26" creationId="{2A012ECF-A395-4E0C-B89D-7B7529B2FFC4}"/>
-          </ac:spMkLst>
-        </pc:spChg>
-        <pc:spChg chg="add mod">
-          <ac:chgData name="Abdul-Rahman Barakeh" userId="4e39f280a93a8fd9" providerId="LiveId" clId="{A97512C2-CF36-4AC2-989A-BBA0201C9579}" dt="2020-06-05T09:54:33.054" v="318" actId="11529"/>
-          <ac:spMkLst>
-            <pc:docMk/>
-            <pc:sldMk cId="3887247896" sldId="266"/>
-            <ac:spMk id="33" creationId="{CBEECEFA-0CCF-4894-819A-B71B21214AAF}"/>
-          </ac:spMkLst>
-        </pc:spChg>
-        <pc:spChg chg="add mod">
-          <ac:chgData name="Abdul-Rahman Barakeh" userId="4e39f280a93a8fd9" providerId="LiveId" clId="{A97512C2-CF36-4AC2-989A-BBA0201C9579}" dt="2020-06-05T09:54:42.320" v="320" actId="1076"/>
-          <ac:spMkLst>
-            <pc:docMk/>
-            <pc:sldMk cId="3887247896" sldId="266"/>
-            <ac:spMk id="34" creationId="{F1463A49-7FF7-4568-B4CB-3F729FDE0C80}"/>
-          </ac:spMkLst>
-        </pc:spChg>
-        <pc:spChg chg="add mod">
-          <ac:chgData name="Abdul-Rahman Barakeh" userId="4e39f280a93a8fd9" providerId="LiveId" clId="{A97512C2-CF36-4AC2-989A-BBA0201C9579}" dt="2020-06-05T09:55:04.667" v="324" actId="1076"/>
-          <ac:spMkLst>
-            <pc:docMk/>
-            <pc:sldMk cId="3887247896" sldId="266"/>
-            <ac:spMk id="39" creationId="{0E6E7896-E250-48E1-B574-61F31D7382CF}"/>
-          </ac:spMkLst>
-        </pc:spChg>
-        <pc:spChg chg="add mod">
-          <ac:chgData name="Abdul-Rahman Barakeh" userId="4e39f280a93a8fd9" providerId="LiveId" clId="{A97512C2-CF36-4AC2-989A-BBA0201C9579}" dt="2020-06-05T09:55:07.827" v="326" actId="1076"/>
-          <ac:spMkLst>
-            <pc:docMk/>
-            <pc:sldMk cId="3887247896" sldId="266"/>
-            <ac:spMk id="40" creationId="{6DE987B4-21F0-4D92-9055-7BEA3ACD10C5}"/>
-          </ac:spMkLst>
-        </pc:spChg>
-        <pc:cxnChg chg="add del mod">
-          <ac:chgData name="Abdul-Rahman Barakeh" userId="4e39f280a93a8fd9" providerId="LiveId" clId="{A97512C2-CF36-4AC2-989A-BBA0201C9579}" dt="2020-06-05T09:54:06.395" v="313" actId="478"/>
-          <ac:cxnSpMkLst>
-            <pc:docMk/>
-            <pc:sldMk cId="3887247896" sldId="266"/>
-            <ac:cxnSpMk id="8" creationId="{576311FE-2743-46C4-9BD2-F593CF7913CC}"/>
-          </ac:cxnSpMkLst>
-        </pc:cxnChg>
-        <pc:cxnChg chg="add del mod">
-          <ac:chgData name="Abdul-Rahman Barakeh" userId="4e39f280a93a8fd9" providerId="LiveId" clId="{A97512C2-CF36-4AC2-989A-BBA0201C9579}" dt="2020-06-05T09:54:05.444" v="312" actId="478"/>
-          <ac:cxnSpMkLst>
-            <pc:docMk/>
-            <pc:sldMk cId="3887247896" sldId="266"/>
-            <ac:cxnSpMk id="10" creationId="{3A6351A6-8328-4ED4-AD81-AECE5D18A6E8}"/>
-          </ac:cxnSpMkLst>
-        </pc:cxnChg>
-        <pc:cxnChg chg="add del mod">
-          <ac:chgData name="Abdul-Rahman Barakeh" userId="4e39f280a93a8fd9" providerId="LiveId" clId="{A97512C2-CF36-4AC2-989A-BBA0201C9579}" dt="2020-06-05T09:54:14.788" v="315" actId="11529"/>
-          <ac:cxnSpMkLst>
-            <pc:docMk/>
-            <pc:sldMk cId="3887247896" sldId="266"/>
-            <ac:cxnSpMk id="28" creationId="{E4F313DA-C88A-4664-B59E-F5AD6CA04A0F}"/>
-          </ac:cxnSpMkLst>
-        </pc:cxnChg>
-        <pc:cxnChg chg="add mod">
-          <ac:chgData name="Abdul-Rahman Barakeh" userId="4e39f280a93a8fd9" providerId="LiveId" clId="{A97512C2-CF36-4AC2-989A-BBA0201C9579}" dt="2020-06-05T09:54:18.404" v="316" actId="11529"/>
-          <ac:cxnSpMkLst>
-            <pc:docMk/>
-            <pc:sldMk cId="3887247896" sldId="266"/>
-            <ac:cxnSpMk id="30" creationId="{9CF5E46F-557A-4A8B-8D31-1161639FB9ED}"/>
-          </ac:cxnSpMkLst>
-        </pc:cxnChg>
-        <pc:cxnChg chg="add mod">
-          <ac:chgData name="Abdul-Rahman Barakeh" userId="4e39f280a93a8fd9" providerId="LiveId" clId="{A97512C2-CF36-4AC2-989A-BBA0201C9579}" dt="2020-06-05T09:54:23.732" v="317" actId="11529"/>
-          <ac:cxnSpMkLst>
-            <pc:docMk/>
-            <pc:sldMk cId="3887247896" sldId="266"/>
-            <ac:cxnSpMk id="32" creationId="{D6633B81-E9DD-40BF-854B-F02CF11C20D3}"/>
-          </ac:cxnSpMkLst>
-        </pc:cxnChg>
-        <pc:cxnChg chg="add mod">
-          <ac:chgData name="Abdul-Rahman Barakeh" userId="4e39f280a93a8fd9" providerId="LiveId" clId="{A97512C2-CF36-4AC2-989A-BBA0201C9579}" dt="2020-06-05T09:54:50.153" v="321" actId="11529"/>
-          <ac:cxnSpMkLst>
-            <pc:docMk/>
-            <pc:sldMk cId="3887247896" sldId="266"/>
-            <ac:cxnSpMk id="36" creationId="{A1746CC6-E1C5-4347-B819-64754B8C5FD8}"/>
-          </ac:cxnSpMkLst>
-        </pc:cxnChg>
-        <pc:cxnChg chg="add mod">
-          <ac:chgData name="Abdul-Rahman Barakeh" userId="4e39f280a93a8fd9" providerId="LiveId" clId="{A97512C2-CF36-4AC2-989A-BBA0201C9579}" dt="2020-06-05T10:01:18.315" v="560" actId="14100"/>
-          <ac:cxnSpMkLst>
-            <pc:docMk/>
-            <pc:sldMk cId="3887247896" sldId="266"/>
-            <ac:cxnSpMk id="38" creationId="{A73A18DC-EE7D-42FD-932F-5A9807887AB3}"/>
-          </ac:cxnSpMkLst>
-        </pc:cxnChg>
-      </pc:sldChg>
-    </pc:docChg>
-  </pc:docChgLst>
-  <pc:docChgLst>
-    <pc:chgData name="Abdul-Rahman Barakeh" userId="4e39f280a93a8fd9" providerId="LiveId" clId="{29A4C3EB-5DB3-49EE-9271-50264C6AE74E}"/>
-    <pc:docChg chg="custSel addSld delSld modSld sldOrd">
-      <pc:chgData name="Abdul-Rahman Barakeh" userId="4e39f280a93a8fd9" providerId="LiveId" clId="{29A4C3EB-5DB3-49EE-9271-50264C6AE74E}" dt="2020-05-31T21:45:10.999" v="1095" actId="1076"/>
-      <pc:docMkLst>
-        <pc:docMk/>
-      </pc:docMkLst>
-      <pc:sldChg chg="modSp ord">
-        <pc:chgData name="Abdul-Rahman Barakeh" userId="4e39f280a93a8fd9" providerId="LiveId" clId="{29A4C3EB-5DB3-49EE-9271-50264C6AE74E}" dt="2020-05-31T21:28:31.011" v="509" actId="20577"/>
-        <pc:sldMkLst>
-          <pc:docMk/>
-          <pc:sldMk cId="2337114399" sldId="260"/>
-        </pc:sldMkLst>
-        <pc:spChg chg="mod">
-          <ac:chgData name="Abdul-Rahman Barakeh" userId="4e39f280a93a8fd9" providerId="LiveId" clId="{29A4C3EB-5DB3-49EE-9271-50264C6AE74E}" dt="2020-05-31T21:28:31.011" v="509" actId="20577"/>
-          <ac:spMkLst>
-            <pc:docMk/>
-            <pc:sldMk cId="2337114399" sldId="260"/>
-            <ac:spMk id="2" creationId="{22BCA3CC-8211-450B-A119-30690B7CED59}"/>
-          </ac:spMkLst>
-        </pc:spChg>
-        <pc:spChg chg="mod">
-          <ac:chgData name="Abdul-Rahman Barakeh" userId="4e39f280a93a8fd9" providerId="LiveId" clId="{29A4C3EB-5DB3-49EE-9271-50264C6AE74E}" dt="2020-05-31T21:28:27.149" v="508" actId="20577"/>
-          <ac:spMkLst>
-            <pc:docMk/>
-            <pc:sldMk cId="2337114399" sldId="260"/>
-            <ac:spMk id="8" creationId="{D05748C3-D1F5-471E-9D44-DAC6AF7F8981}"/>
-          </ac:spMkLst>
-        </pc:spChg>
-      </pc:sldChg>
-      <pc:sldChg chg="del">
-        <pc:chgData name="Abdul-Rahman Barakeh" userId="4e39f280a93a8fd9" providerId="LiveId" clId="{29A4C3EB-5DB3-49EE-9271-50264C6AE74E}" dt="2020-05-31T21:23:58.941" v="231" actId="2696"/>
-        <pc:sldMkLst>
-          <pc:docMk/>
-          <pc:sldMk cId="3217023780" sldId="262"/>
-        </pc:sldMkLst>
-      </pc:sldChg>
-      <pc:sldChg chg="modSp add">
-        <pc:chgData name="Abdul-Rahman Barakeh" userId="4e39f280a93a8fd9" providerId="LiveId" clId="{29A4C3EB-5DB3-49EE-9271-50264C6AE74E}" dt="2020-05-31T21:25:52.530" v="376" actId="20577"/>
-        <pc:sldMkLst>
-          <pc:docMk/>
-          <pc:sldMk cId="267938536" sldId="263"/>
-        </pc:sldMkLst>
-        <pc:spChg chg="mod">
-          <ac:chgData name="Abdul-Rahman Barakeh" userId="4e39f280a93a8fd9" providerId="LiveId" clId="{29A4C3EB-5DB3-49EE-9271-50264C6AE74E}" dt="2020-05-31T21:22:11.272" v="21" actId="20577"/>
-          <ac:spMkLst>
-            <pc:docMk/>
-            <pc:sldMk cId="267938536" sldId="263"/>
-            <ac:spMk id="2" creationId="{19294D59-CFB8-415C-8C49-A8E015C8C070}"/>
-          </ac:spMkLst>
-        </pc:spChg>
-        <pc:spChg chg="mod">
-          <ac:chgData name="Abdul-Rahman Barakeh" userId="4e39f280a93a8fd9" providerId="LiveId" clId="{29A4C3EB-5DB3-49EE-9271-50264C6AE74E}" dt="2020-05-31T21:25:52.530" v="376" actId="20577"/>
-          <ac:spMkLst>
-            <pc:docMk/>
-            <pc:sldMk cId="267938536" sldId="263"/>
-            <ac:spMk id="3" creationId="{6A6E53B1-AA3F-41D1-9347-D9DF9DEBC527}"/>
-          </ac:spMkLst>
-        </pc:spChg>
-      </pc:sldChg>
-      <pc:sldChg chg="modSp add">
-        <pc:chgData name="Abdul-Rahman Barakeh" userId="4e39f280a93a8fd9" providerId="LiveId" clId="{29A4C3EB-5DB3-49EE-9271-50264C6AE74E}" dt="2020-05-31T21:37:32.820" v="638" actId="5793"/>
-        <pc:sldMkLst>
-          <pc:docMk/>
-          <pc:sldMk cId="2000681254" sldId="264"/>
-        </pc:sldMkLst>
-        <pc:spChg chg="mod">
-          <ac:chgData name="Abdul-Rahman Barakeh" userId="4e39f280a93a8fd9" providerId="LiveId" clId="{29A4C3EB-5DB3-49EE-9271-50264C6AE74E}" dt="2020-05-31T21:36:11.614" v="538" actId="20577"/>
-          <ac:spMkLst>
-            <pc:docMk/>
-            <pc:sldMk cId="2000681254" sldId="264"/>
-            <ac:spMk id="2" creationId="{F0EFC5C2-9F9B-41F4-B55E-8F67920B9C88}"/>
-          </ac:spMkLst>
-        </pc:spChg>
-        <pc:spChg chg="mod">
-          <ac:chgData name="Abdul-Rahman Barakeh" userId="4e39f280a93a8fd9" providerId="LiveId" clId="{29A4C3EB-5DB3-49EE-9271-50264C6AE74E}" dt="2020-05-31T21:37:32.820" v="638" actId="5793"/>
-          <ac:spMkLst>
-            <pc:docMk/>
-            <pc:sldMk cId="2000681254" sldId="264"/>
-            <ac:spMk id="3" creationId="{C4D1207F-55D3-45BA-A7B7-89B5BE854E2F}"/>
-          </ac:spMkLst>
-        </pc:spChg>
-      </pc:sldChg>
-      <pc:sldChg chg="addSp delSp modSp add">
-        <pc:chgData name="Abdul-Rahman Barakeh" userId="4e39f280a93a8fd9" providerId="LiveId" clId="{29A4C3EB-5DB3-49EE-9271-50264C6AE74E}" dt="2020-05-31T21:45:10.999" v="1095" actId="1076"/>
-        <pc:sldMkLst>
-          <pc:docMk/>
-          <pc:sldMk cId="1732514433" sldId="265"/>
-        </pc:sldMkLst>
-        <pc:spChg chg="mod">
-          <ac:chgData name="Abdul-Rahman Barakeh" userId="4e39f280a93a8fd9" providerId="LiveId" clId="{29A4C3EB-5DB3-49EE-9271-50264C6AE74E}" dt="2020-05-31T21:38:26.277" v="641" actId="20577"/>
-          <ac:spMkLst>
-            <pc:docMk/>
-            <pc:sldMk cId="1732514433" sldId="265"/>
-            <ac:spMk id="2" creationId="{101FB944-0DA7-4984-AD86-7D42E7F9ED1F}"/>
-          </ac:spMkLst>
-        </pc:spChg>
-        <pc:spChg chg="mod">
-          <ac:chgData name="Abdul-Rahman Barakeh" userId="4e39f280a93a8fd9" providerId="LiveId" clId="{29A4C3EB-5DB3-49EE-9271-50264C6AE74E}" dt="2020-05-31T21:43:16.262" v="1049" actId="27636"/>
-          <ac:spMkLst>
-            <pc:docMk/>
-            <pc:sldMk cId="1732514433" sldId="265"/>
-            <ac:spMk id="3" creationId="{A6453B1D-82B7-47F6-8CE8-163294256A6F}"/>
-          </ac:spMkLst>
-        </pc:spChg>
-        <pc:spChg chg="add mod">
-          <ac:chgData name="Abdul-Rahman Barakeh" userId="4e39f280a93a8fd9" providerId="LiveId" clId="{29A4C3EB-5DB3-49EE-9271-50264C6AE74E}" dt="2020-05-31T21:44:19.687" v="1074" actId="20577"/>
-          <ac:spMkLst>
-            <pc:docMk/>
-            <pc:sldMk cId="1732514433" sldId="265"/>
-            <ac:spMk id="4" creationId="{21A595B6-B393-414B-B8AA-3F0B2D7FF79E}"/>
-          </ac:spMkLst>
-        </pc:spChg>
-        <pc:spChg chg="add mod">
-          <ac:chgData name="Abdul-Rahman Barakeh" userId="4e39f280a93a8fd9" providerId="LiveId" clId="{29A4C3EB-5DB3-49EE-9271-50264C6AE74E}" dt="2020-05-31T21:45:10.999" v="1095" actId="1076"/>
-          <ac:spMkLst>
-            <pc:docMk/>
-            <pc:sldMk cId="1732514433" sldId="265"/>
-            <ac:spMk id="5" creationId="{829C65CB-A416-4332-BFEF-BA573839C765}"/>
-          </ac:spMkLst>
-        </pc:spChg>
-        <pc:spChg chg="add mod">
-          <ac:chgData name="Abdul-Rahman Barakeh" userId="4e39f280a93a8fd9" providerId="LiveId" clId="{29A4C3EB-5DB3-49EE-9271-50264C6AE74E}" dt="2020-05-31T21:45:02.402" v="1094" actId="20577"/>
-          <ac:spMkLst>
-            <pc:docMk/>
-            <pc:sldMk cId="1732514433" sldId="265"/>
-            <ac:spMk id="6" creationId="{F4E317E9-3227-4060-8E69-645A1B58ABFD}"/>
-          </ac:spMkLst>
-        </pc:spChg>
-        <pc:cxnChg chg="add mod">
-          <ac:chgData name="Abdul-Rahman Barakeh" userId="4e39f280a93a8fd9" providerId="LiveId" clId="{29A4C3EB-5DB3-49EE-9271-50264C6AE74E}" dt="2020-05-31T21:43:55.092" v="1062" actId="11529"/>
-          <ac:cxnSpMkLst>
-            <pc:docMk/>
-            <pc:sldMk cId="1732514433" sldId="265"/>
-            <ac:cxnSpMk id="8" creationId="{0F4033E6-FFEB-43C7-8B75-9957591F0F2A}"/>
-          </ac:cxnSpMkLst>
-        </pc:cxnChg>
-        <pc:cxnChg chg="add del mod">
-          <ac:chgData name="Abdul-Rahman Barakeh" userId="4e39f280a93a8fd9" providerId="LiveId" clId="{29A4C3EB-5DB3-49EE-9271-50264C6AE74E}" dt="2020-05-31T21:44:02.837" v="1064" actId="11529"/>
-          <ac:cxnSpMkLst>
-            <pc:docMk/>
-            <pc:sldMk cId="1732514433" sldId="265"/>
-            <ac:cxnSpMk id="10" creationId="{E495D199-A994-4E99-B8D8-827A1C69CF50}"/>
-          </ac:cxnSpMkLst>
-        </pc:cxnChg>
-        <pc:cxnChg chg="add mod">
-          <ac:chgData name="Abdul-Rahman Barakeh" userId="4e39f280a93a8fd9" providerId="LiveId" clId="{29A4C3EB-5DB3-49EE-9271-50264C6AE74E}" dt="2020-05-31T21:45:10.999" v="1095" actId="1076"/>
-          <ac:cxnSpMkLst>
-            <pc:docMk/>
-            <pc:sldMk cId="1732514433" sldId="265"/>
-            <ac:cxnSpMk id="12" creationId="{2B86B15F-7DCB-449A-9ED5-07A98EF754DF}"/>
-          </ac:cxnSpMkLst>
-        </pc:cxnChg>
-      </pc:sldChg>
-    </pc:docChg>
-  </pc:docChgLst>
-</pc:chgInfo>
 </file>
 
 <file path=ppt/slideLayouts/slideLayout1.xml><?xml version="1.0" encoding="utf-8"?>
@@ -8674,41 +8322,6 @@
           </a:custGeom>
         </p:spPr>
       </p:pic>
-      <p:sp>
-        <p:nvSpPr>
-          <p:cNvPr id="4" name="TextBox 2">
-            <a:extLst>
-              <a:ext uri="{FF2B5EF4-FFF2-40B4-BE49-F238E27FC236}">
-                <a16:creationId xmlns:a16="http://schemas.microsoft.com/office/drawing/2014/main" id="{FCB44ACD-5F93-4496-BE41-1531D1485457}"/>
-              </a:ext>
-            </a:extLst>
-          </p:cNvPr>
-          <p:cNvSpPr txBox="1"/>
-          <p:nvPr/>
-        </p:nvSpPr>
-        <p:spPr>
-          <a:xfrm>
-            <a:off x="7515993" y="6100579"/>
-            <a:ext cx="3338818" cy="369332"/>
-          </a:xfrm>
-          <a:prstGeom prst="rect">
-            <a:avLst/>
-          </a:prstGeom>
-          <a:noFill/>
-        </p:spPr>
-        <p:txBody>
-          <a:bodyPr wrap="square" rtlCol="0">
-            <a:spAutoFit/>
-          </a:bodyPr>
-          <a:lstStyle/>
-          <a:p>
-            <a:r>
-              <a:rPr lang="da-DK" dirty="0"/>
-              <a:t>Kilde: Lektions slides</a:t>
-            </a:r>
-          </a:p>
-        </p:txBody>
-      </p:sp>
     </p:spTree>
     <p:extLst>
       <p:ext uri="{BB962C8B-B14F-4D97-AF65-F5344CB8AC3E}">
@@ -9470,8 +9083,8 @@
               <a:t>r</a:t>
             </a:r>
             <a:r>
-              <a:rPr lang="en-US" sz="2400" dirty="0"/>
-              <a:t>e</a:t>
+              <a:rPr lang="en-US" sz="2400" dirty="0" err="1"/>
+              <a:t>er</a:t>
             </a:r>
             <a:r>
               <a:rPr lang="en-DK" sz="2400" dirty="0"/>
@@ -9898,163 +9511,171 @@
         </p:spPr>
         <p:txBody>
           <a:bodyPr>
-            <a:normAutofit/>
+            <a:normAutofit fontScale="90000"/>
           </a:bodyPr>
           <a:lstStyle/>
           <a:p>
             <a:r>
-              <a:rPr lang="en-US" sz="4100"/>
+              <a:rPr lang="en-US" sz="4100" dirty="0"/>
               <a:t>D</a:t>
             </a:r>
             <a:r>
-              <a:rPr lang="en-DK" sz="4100"/>
+              <a:rPr lang="en-DK" sz="4100" dirty="0"/>
               <a:t>e</a:t>
             </a:r>
             <a:r>
-              <a:rPr lang="en-US" sz="4100"/>
+              <a:rPr lang="en-US" sz="4100" dirty="0"/>
               <a:t>s</a:t>
             </a:r>
             <a:r>
-              <a:rPr lang="en-DK" sz="4100" err="1"/>
+              <a:rPr lang="en-DK" sz="4100" dirty="0"/>
               <a:t>i</a:t>
             </a:r>
             <a:r>
-              <a:rPr lang="en-US" sz="4100"/>
+              <a:rPr lang="en-US" sz="4100" dirty="0"/>
               <a:t>g</a:t>
             </a:r>
             <a:r>
-              <a:rPr lang="en-DK" sz="4100"/>
+              <a:rPr lang="en-DK" sz="4100" dirty="0"/>
               <a:t>n </a:t>
             </a:r>
             <a:r>
-              <a:rPr lang="en-US" sz="4100"/>
+              <a:rPr lang="en-US" sz="4100" dirty="0"/>
               <a:t>p</a:t>
             </a:r>
             <a:r>
-              <a:rPr lang="en-DK" sz="4100"/>
+              <a:rPr lang="en-DK" sz="4100" dirty="0"/>
               <a:t>r</a:t>
             </a:r>
             <a:r>
-              <a:rPr lang="en-US" sz="4100" err="1"/>
+              <a:rPr lang="en-US" sz="4100" dirty="0" err="1"/>
               <a:t>i</a:t>
             </a:r>
             <a:r>
-              <a:rPr lang="en-DK" sz="4100"/>
+              <a:rPr lang="en-DK" sz="4100" dirty="0"/>
               <a:t>n</a:t>
             </a:r>
             <a:r>
-              <a:rPr lang="en-US" sz="4100"/>
+              <a:rPr lang="en-US" sz="4100" dirty="0"/>
               <a:t>c</a:t>
             </a:r>
             <a:r>
-              <a:rPr lang="en-DK" sz="4100" err="1"/>
+              <a:rPr lang="en-DK" sz="4100" dirty="0"/>
               <a:t>i</a:t>
             </a:r>
             <a:r>
-              <a:rPr lang="en-US" sz="4100"/>
+              <a:rPr lang="en-US" sz="4100" dirty="0"/>
               <a:t>p</a:t>
             </a:r>
             <a:r>
-              <a:rPr lang="en-DK" sz="4100"/>
+              <a:rPr lang="en-DK" sz="4100" dirty="0"/>
               <a:t>p</a:t>
             </a:r>
             <a:r>
-              <a:rPr lang="en-US" sz="4100"/>
+              <a:rPr lang="en-US" sz="4100" dirty="0"/>
               <a:t>e</a:t>
             </a:r>
             <a:r>
-              <a:rPr lang="en-DK" sz="4100"/>
+              <a:rPr lang="en-DK" sz="4100" dirty="0"/>
               <a:t>r, </a:t>
             </a:r>
             <a:r>
-              <a:rPr lang="en-US" sz="4100"/>
+              <a:rPr lang="da-DK" sz="4100" dirty="0"/>
+              <a:t>”The </a:t>
+            </a:r>
+            <a:r>
+              <a:rPr lang="en-US" sz="4100" dirty="0"/>
               <a:t>c</a:t>
             </a:r>
             <a:r>
-              <a:rPr lang="en-DK" sz="4100"/>
+              <a:rPr lang="en-DK" sz="4100" dirty="0"/>
               <a:t>u</a:t>
             </a:r>
             <a:r>
-              <a:rPr lang="en-US" sz="4100"/>
+              <a:rPr lang="en-US" sz="4100" dirty="0"/>
               <a:t>r</a:t>
             </a:r>
             <a:r>
-              <a:rPr lang="en-DK" sz="4100"/>
+              <a:rPr lang="en-DK" sz="4100" dirty="0"/>
               <a:t>e </a:t>
             </a:r>
             <a:r>
-              <a:rPr lang="en-US" sz="4100"/>
+              <a:rPr lang="en-US" sz="4100" dirty="0"/>
               <a:t>a</a:t>
             </a:r>
             <a:r>
-              <a:rPr lang="en-DK" sz="4100"/>
+              <a:rPr lang="en-DK" sz="4100" dirty="0"/>
               <a:t>g</a:t>
             </a:r>
             <a:r>
-              <a:rPr lang="en-US" sz="4100"/>
+              <a:rPr lang="en-US" sz="4100" dirty="0"/>
               <a:t>a</a:t>
             </a:r>
             <a:r>
-              <a:rPr lang="en-DK" sz="4100" err="1"/>
+              <a:rPr lang="en-DK" sz="4100" dirty="0"/>
               <a:t>i</a:t>
             </a:r>
             <a:r>
-              <a:rPr lang="en-US" sz="4100"/>
+              <a:rPr lang="en-US" sz="4100" dirty="0"/>
               <a:t>n</a:t>
             </a:r>
             <a:r>
-              <a:rPr lang="en-DK" sz="4100"/>
+              <a:rPr lang="en-DK" sz="4100" dirty="0"/>
               <a:t>s</a:t>
             </a:r>
             <a:r>
-              <a:rPr lang="en-US" sz="4100"/>
+              <a:rPr lang="en-US" sz="4100" dirty="0"/>
               <a:t>t</a:t>
             </a:r>
             <a:r>
-              <a:rPr lang="en-DK" sz="4100"/>
+              <a:rPr lang="en-DK" sz="4100" dirty="0"/>
               <a:t> </a:t>
             </a:r>
             <a:r>
-              <a:rPr lang="en-US" sz="4100"/>
+              <a:rPr lang="en-US" sz="4100" dirty="0"/>
               <a:t>d</a:t>
             </a:r>
             <a:r>
-              <a:rPr lang="en-DK" sz="4100"/>
+              <a:rPr lang="en-DK" sz="4100" dirty="0"/>
               <a:t>e</a:t>
             </a:r>
             <a:r>
-              <a:rPr lang="en-US" sz="4100"/>
+              <a:rPr lang="en-US" sz="4100" dirty="0"/>
               <a:t>s</a:t>
             </a:r>
             <a:r>
-              <a:rPr lang="en-DK" sz="4100" err="1"/>
+              <a:rPr lang="en-DK" sz="4100" dirty="0"/>
               <a:t>i</a:t>
             </a:r>
             <a:r>
-              <a:rPr lang="en-US" sz="4100"/>
+              <a:rPr lang="en-US" sz="4100" dirty="0"/>
               <a:t>g</a:t>
             </a:r>
             <a:r>
-              <a:rPr lang="en-DK" sz="4100"/>
+              <a:rPr lang="en-DK" sz="4100" dirty="0"/>
               <a:t>n </a:t>
             </a:r>
             <a:r>
-              <a:rPr lang="en-US" sz="4100"/>
+              <a:rPr lang="en-US" sz="4100" dirty="0"/>
               <a:t>s</a:t>
             </a:r>
             <a:r>
-              <a:rPr lang="en-DK" sz="4100"/>
+              <a:rPr lang="en-DK" sz="4100" dirty="0"/>
               <a:t>m</a:t>
             </a:r>
             <a:r>
-              <a:rPr lang="en-US" sz="4100"/>
+              <a:rPr lang="en-US" sz="4100" dirty="0"/>
               <a:t>e</a:t>
             </a:r>
             <a:r>
-              <a:rPr lang="en-DK" sz="4100" err="1"/>
+              <a:rPr lang="en-DK" sz="4100" dirty="0"/>
               <a:t>lls</a:t>
             </a:r>
-            <a:endParaRPr lang="en-DK" sz="4100"/>
+            <a:r>
+              <a:rPr lang="da-DK" sz="4100" dirty="0"/>
+              <a:t>”</a:t>
+            </a:r>
+            <a:endParaRPr lang="en-DK" sz="4100" dirty="0"/>
           </a:p>
         </p:txBody>
       </p:sp>
@@ -11476,12 +11097,12 @@
           </a:p>
           <a:p>
             <a:r>
-              <a:rPr lang="en-DK" sz="1700" dirty="0">
+              <a:rPr lang="da-DK" sz="1700">
                 <a:solidFill>
                   <a:srgbClr val="FFFFFF"/>
                 </a:solidFill>
               </a:rPr>
-              <a:t> </a:t>
+              <a:t>Både </a:t>
             </a:r>
             <a:r>
               <a:rPr lang="da-DK" sz="1700" dirty="0">
@@ -11489,7 +11110,7 @@
                   <a:srgbClr val="FFFFFF"/>
                 </a:solidFill>
               </a:rPr>
-              <a:t>Både high og low </a:t>
+              <a:t>high og low </a:t>
             </a:r>
             <a:r>
               <a:rPr lang="da-DK" sz="1700" dirty="0" err="1">

--- a/Presentations/1_Komponenter_og_Design.pptx
+++ b/Presentations/1_Komponenter_og_Design.pptx
@@ -270,7 +270,7 @@
           <a:p>
             <a:fld id="{D03082E7-391A-408A-AAC4-5DF720CD77DA}" type="datetimeFigureOut">
               <a:rPr lang="en-DK" smtClean="0"/>
-              <a:t>08/17/2020</a:t>
+              <a:t>08/18/2020</a:t>
             </a:fld>
             <a:endParaRPr lang="en-DK"/>
           </a:p>
@@ -470,7 +470,7 @@
           <a:p>
             <a:fld id="{D03082E7-391A-408A-AAC4-5DF720CD77DA}" type="datetimeFigureOut">
               <a:rPr lang="en-DK" smtClean="0"/>
-              <a:t>08/17/2020</a:t>
+              <a:t>08/18/2020</a:t>
             </a:fld>
             <a:endParaRPr lang="en-DK"/>
           </a:p>
@@ -680,7 +680,7 @@
           <a:p>
             <a:fld id="{D03082E7-391A-408A-AAC4-5DF720CD77DA}" type="datetimeFigureOut">
               <a:rPr lang="en-DK" smtClean="0"/>
-              <a:t>08/17/2020</a:t>
+              <a:t>08/18/2020</a:t>
             </a:fld>
             <a:endParaRPr lang="en-DK"/>
           </a:p>
@@ -880,7 +880,7 @@
           <a:p>
             <a:fld id="{D03082E7-391A-408A-AAC4-5DF720CD77DA}" type="datetimeFigureOut">
               <a:rPr lang="en-DK" smtClean="0"/>
-              <a:t>08/17/2020</a:t>
+              <a:t>08/18/2020</a:t>
             </a:fld>
             <a:endParaRPr lang="en-DK"/>
           </a:p>
@@ -1156,7 +1156,7 @@
           <a:p>
             <a:fld id="{D03082E7-391A-408A-AAC4-5DF720CD77DA}" type="datetimeFigureOut">
               <a:rPr lang="en-DK" smtClean="0"/>
-              <a:t>08/17/2020</a:t>
+              <a:t>08/18/2020</a:t>
             </a:fld>
             <a:endParaRPr lang="en-DK"/>
           </a:p>
@@ -1424,7 +1424,7 @@
           <a:p>
             <a:fld id="{D03082E7-391A-408A-AAC4-5DF720CD77DA}" type="datetimeFigureOut">
               <a:rPr lang="en-DK" smtClean="0"/>
-              <a:t>08/17/2020</a:t>
+              <a:t>08/18/2020</a:t>
             </a:fld>
             <a:endParaRPr lang="en-DK"/>
           </a:p>
@@ -1839,7 +1839,7 @@
           <a:p>
             <a:fld id="{D03082E7-391A-408A-AAC4-5DF720CD77DA}" type="datetimeFigureOut">
               <a:rPr lang="en-DK" smtClean="0"/>
-              <a:t>08/17/2020</a:t>
+              <a:t>08/18/2020</a:t>
             </a:fld>
             <a:endParaRPr lang="en-DK"/>
           </a:p>
@@ -1981,7 +1981,7 @@
           <a:p>
             <a:fld id="{D03082E7-391A-408A-AAC4-5DF720CD77DA}" type="datetimeFigureOut">
               <a:rPr lang="en-DK" smtClean="0"/>
-              <a:t>08/17/2020</a:t>
+              <a:t>08/18/2020</a:t>
             </a:fld>
             <a:endParaRPr lang="en-DK"/>
           </a:p>
@@ -2094,7 +2094,7 @@
           <a:p>
             <a:fld id="{D03082E7-391A-408A-AAC4-5DF720CD77DA}" type="datetimeFigureOut">
               <a:rPr lang="en-DK" smtClean="0"/>
-              <a:t>08/17/2020</a:t>
+              <a:t>08/18/2020</a:t>
             </a:fld>
             <a:endParaRPr lang="en-DK"/>
           </a:p>
@@ -2407,7 +2407,7 @@
           <a:p>
             <a:fld id="{D03082E7-391A-408A-AAC4-5DF720CD77DA}" type="datetimeFigureOut">
               <a:rPr lang="en-DK" smtClean="0"/>
-              <a:t>08/17/2020</a:t>
+              <a:t>08/18/2020</a:t>
             </a:fld>
             <a:endParaRPr lang="en-DK"/>
           </a:p>
@@ -2696,7 +2696,7 @@
           <a:p>
             <a:fld id="{D03082E7-391A-408A-AAC4-5DF720CD77DA}" type="datetimeFigureOut">
               <a:rPr lang="en-DK" smtClean="0"/>
-              <a:t>08/17/2020</a:t>
+              <a:t>08/18/2020</a:t>
             </a:fld>
             <a:endParaRPr lang="en-DK"/>
           </a:p>
@@ -2939,7 +2939,7 @@
           <a:p>
             <a:fld id="{D03082E7-391A-408A-AAC4-5DF720CD77DA}" type="datetimeFigureOut">
               <a:rPr lang="en-DK" smtClean="0"/>
-              <a:t>08/17/2020</a:t>
+              <a:t>08/18/2020</a:t>
             </a:fld>
             <a:endParaRPr lang="en-DK"/>
           </a:p>
@@ -4090,6 +4090,76 @@
           </a:p>
         </p:txBody>
       </p:sp>
+      <p:sp>
+        <p:nvSpPr>
+          <p:cNvPr id="4" name="Tekstfelt 3">
+            <a:extLst>
+              <a:ext uri="{FF2B5EF4-FFF2-40B4-BE49-F238E27FC236}">
+                <a16:creationId xmlns:a16="http://schemas.microsoft.com/office/drawing/2014/main" id="{7D1B6A5C-84CE-4A38-B3D9-BB59052CFE6C}"/>
+              </a:ext>
+            </a:extLst>
+          </p:cNvPr>
+          <p:cNvSpPr txBox="1"/>
+          <p:nvPr/>
+        </p:nvSpPr>
+        <p:spPr>
+          <a:xfrm>
+            <a:off x="8644919" y="213064"/>
+            <a:ext cx="1884106" cy="369332"/>
+          </a:xfrm>
+          <a:prstGeom prst="rect">
+            <a:avLst/>
+          </a:prstGeom>
+          <a:noFill/>
+        </p:spPr>
+        <p:txBody>
+          <a:bodyPr wrap="none" rtlCol="0">
+            <a:spAutoFit/>
+          </a:bodyPr>
+          <a:lstStyle/>
+          <a:p>
+            <a:r>
+              <a:rPr lang="da-DK" dirty="0"/>
+              <a:t>Andreas Blaabjerg</a:t>
+            </a:r>
+          </a:p>
+        </p:txBody>
+      </p:sp>
+      <p:sp>
+        <p:nvSpPr>
+          <p:cNvPr id="5" name="Tekstfelt 4">
+            <a:extLst>
+              <a:ext uri="{FF2B5EF4-FFF2-40B4-BE49-F238E27FC236}">
+                <a16:creationId xmlns:a16="http://schemas.microsoft.com/office/drawing/2014/main" id="{89191756-F215-4877-BB21-DF5584369229}"/>
+              </a:ext>
+            </a:extLst>
+          </p:cNvPr>
+          <p:cNvSpPr txBox="1"/>
+          <p:nvPr/>
+        </p:nvSpPr>
+        <p:spPr>
+          <a:xfrm>
+            <a:off x="9586972" y="610794"/>
+            <a:ext cx="1237839" cy="369332"/>
+          </a:xfrm>
+          <a:prstGeom prst="rect">
+            <a:avLst/>
+          </a:prstGeom>
+          <a:noFill/>
+        </p:spPr>
+        <p:txBody>
+          <a:bodyPr wrap="none" rtlCol="0">
+            <a:spAutoFit/>
+          </a:bodyPr>
+          <a:lstStyle/>
+          <a:p>
+            <a:r>
+              <a:rPr lang="da-DK" dirty="0"/>
+              <a:t>201510924</a:t>
+            </a:r>
+          </a:p>
+        </p:txBody>
+      </p:sp>
     </p:spTree>
     <p:extLst>
       <p:ext uri="{BB962C8B-B14F-4D97-AF65-F5344CB8AC3E}">
@@ -5573,173 +5643,181 @@
           <a:lstStyle/>
           <a:p>
             <a:r>
-              <a:rPr lang="en-US" sz="2400"/>
+              <a:rPr lang="en-US" sz="2400" dirty="0"/>
               <a:t>E</a:t>
             </a:r>
             <a:r>
-              <a:rPr lang="da-DK" sz="2400"/>
+              <a:rPr lang="da-DK" sz="2400" dirty="0"/>
               <a:t>t stykke software </a:t>
             </a:r>
             <a:r>
-              <a:rPr lang="en-DK" sz="2400"/>
+              <a:rPr lang="en-DK" sz="2400" dirty="0"/>
               <a:t>af et større system</a:t>
             </a:r>
-            <a:endParaRPr lang="da-DK" sz="2400"/>
-          </a:p>
-          <a:p>
-            <a:r>
-              <a:rPr lang="da-DK" sz="2400"/>
-              <a:t>En applikation, som er færdigudviklet og deployet, samt testet</a:t>
-            </a:r>
-            <a:endParaRPr lang="en-DK" sz="2400"/>
-          </a:p>
-          <a:p>
-            <a:r>
-              <a:rPr lang="en-US" sz="2400"/>
+            <a:endParaRPr lang="da-DK" sz="2400" dirty="0"/>
+          </a:p>
+          <a:p>
+            <a:r>
+              <a:rPr lang="da-DK" sz="2400" dirty="0"/>
+              <a:t>En applikation, som er færdigudviklet og </a:t>
+            </a:r>
+            <a:r>
+              <a:rPr lang="da-DK" sz="2400" dirty="0" err="1"/>
+              <a:t>deployet</a:t>
+            </a:r>
+            <a:r>
+              <a:rPr lang="da-DK" sz="2400" dirty="0"/>
+              <a:t>, samt testet</a:t>
+            </a:r>
+            <a:endParaRPr lang="en-DK" sz="2400" dirty="0"/>
+          </a:p>
+          <a:p>
+            <a:r>
+              <a:rPr lang="en-US" sz="2400" dirty="0"/>
               <a:t>K</a:t>
             </a:r>
             <a:r>
-              <a:rPr lang="en-DK" sz="2400"/>
+              <a:rPr lang="en-DK" sz="2400" dirty="0"/>
               <a:t>a</a:t>
             </a:r>
             <a:r>
-              <a:rPr lang="en-US" sz="2400"/>
+              <a:rPr lang="en-US" sz="2400" dirty="0"/>
               <a:t>n</a:t>
             </a:r>
             <a:r>
-              <a:rPr lang="en-DK" sz="2400"/>
+              <a:rPr lang="en-DK" sz="2400" dirty="0"/>
               <a:t> </a:t>
             </a:r>
             <a:r>
-              <a:rPr lang="en-US" sz="2400"/>
+              <a:rPr lang="en-US" sz="2400" dirty="0"/>
               <a:t>u</a:t>
             </a:r>
             <a:r>
-              <a:rPr lang="en-DK" sz="2400"/>
+              <a:rPr lang="en-DK" sz="2400" dirty="0"/>
               <a:t>d</a:t>
             </a:r>
             <a:r>
-              <a:rPr lang="en-US" sz="2400"/>
+              <a:rPr lang="en-US" sz="2400" dirty="0"/>
               <a:t>s</a:t>
             </a:r>
             <a:r>
-              <a:rPr lang="en-DK" sz="2400"/>
+              <a:rPr lang="en-DK" sz="2400" dirty="0"/>
               <a:t>k</a:t>
             </a:r>
             <a:r>
-              <a:rPr lang="en-US" sz="2400"/>
+              <a:rPr lang="en-US" sz="2400" dirty="0" err="1"/>
               <a:t>i</a:t>
             </a:r>
             <a:r>
-              <a:rPr lang="en-DK" sz="2400"/>
+              <a:rPr lang="en-DK" sz="2400" dirty="0"/>
               <a:t>f</a:t>
             </a:r>
             <a:r>
-              <a:rPr lang="en-US" sz="2400"/>
+              <a:rPr lang="en-US" sz="2400" dirty="0"/>
               <a:t>t</a:t>
             </a:r>
             <a:r>
-              <a:rPr lang="en-DK" sz="2400"/>
+              <a:rPr lang="en-DK" sz="2400" dirty="0"/>
               <a:t>e</a:t>
             </a:r>
             <a:r>
-              <a:rPr lang="en-US" sz="2400"/>
+              <a:rPr lang="en-US" sz="2400" dirty="0"/>
               <a:t>s</a:t>
             </a:r>
             <a:r>
-              <a:rPr lang="en-DK" sz="2400"/>
+              <a:rPr lang="en-DK" sz="2400" dirty="0"/>
               <a:t> </a:t>
             </a:r>
             <a:r>
-              <a:rPr lang="en-US" sz="2400"/>
+              <a:rPr lang="en-US" sz="2400" dirty="0"/>
               <a:t>u</a:t>
             </a:r>
             <a:r>
-              <a:rPr lang="en-DK" sz="2400"/>
+              <a:rPr lang="en-DK" sz="2400" dirty="0"/>
               <a:t>d</a:t>
             </a:r>
             <a:r>
-              <a:rPr lang="en-US" sz="2400"/>
+              <a:rPr lang="en-US" sz="2400" dirty="0"/>
               <a:t>e</a:t>
             </a:r>
             <a:r>
-              <a:rPr lang="en-DK" sz="2400"/>
+              <a:rPr lang="en-DK" sz="2400" dirty="0"/>
               <a:t>n </a:t>
             </a:r>
             <a:r>
-              <a:rPr lang="en-US" sz="2400"/>
+              <a:rPr lang="en-US" sz="2400" dirty="0"/>
               <a:t>a</a:t>
             </a:r>
             <a:r>
-              <a:rPr lang="en-DK" sz="2400"/>
+              <a:rPr lang="en-DK" sz="2400" dirty="0"/>
               <a:t>t </a:t>
             </a:r>
             <a:r>
-              <a:rPr lang="en-US" sz="2400"/>
+              <a:rPr lang="en-US" sz="2400" dirty="0"/>
               <a:t>ø</a:t>
             </a:r>
             <a:r>
-              <a:rPr lang="en-DK" sz="2400"/>
+              <a:rPr lang="en-DK" sz="2400" dirty="0"/>
               <a:t>d</a:t>
             </a:r>
             <a:r>
-              <a:rPr lang="en-US" sz="2400"/>
+              <a:rPr lang="en-US" sz="2400" dirty="0"/>
               <a:t>e</a:t>
             </a:r>
             <a:r>
-              <a:rPr lang="en-DK" sz="2400"/>
+              <a:rPr lang="en-DK" sz="2400" dirty="0"/>
               <a:t>l</a:t>
             </a:r>
             <a:r>
-              <a:rPr lang="en-US" sz="2400"/>
+              <a:rPr lang="en-US" sz="2400" dirty="0"/>
               <a:t>æ</a:t>
             </a:r>
             <a:r>
-              <a:rPr lang="en-DK" sz="2400"/>
+              <a:rPr lang="en-DK" sz="2400" dirty="0"/>
               <a:t>g</a:t>
             </a:r>
             <a:r>
-              <a:rPr lang="en-US" sz="2400"/>
+              <a:rPr lang="en-US" sz="2400" dirty="0"/>
               <a:t>g</a:t>
             </a:r>
             <a:r>
-              <a:rPr lang="en-DK" sz="2400"/>
+              <a:rPr lang="en-DK" sz="2400" dirty="0"/>
               <a:t>e </a:t>
             </a:r>
             <a:r>
-              <a:rPr lang="en-US" sz="2400"/>
+              <a:rPr lang="en-US" sz="2400" dirty="0"/>
               <a:t>s</a:t>
             </a:r>
             <a:r>
-              <a:rPr lang="en-DK" sz="2400"/>
+              <a:rPr lang="en-DK" sz="2400" dirty="0"/>
               <a:t>ystem</a:t>
             </a:r>
             <a:r>
-              <a:rPr lang="en-US" sz="2400"/>
+              <a:rPr lang="en-US" sz="2400" dirty="0"/>
               <a:t>e</a:t>
             </a:r>
             <a:r>
-              <a:rPr lang="en-DK" sz="2400"/>
+              <a:rPr lang="en-DK" sz="2400" dirty="0"/>
               <a:t>t</a:t>
             </a:r>
             <a:r>
-              <a:rPr lang="da-DK" sz="2400"/>
+              <a:rPr lang="da-DK" sz="2400" dirty="0"/>
               <a:t> </a:t>
             </a:r>
             <a:r>
-              <a:rPr lang="da-DK" sz="2400">
+              <a:rPr lang="da-DK" sz="2400" dirty="0">
                 <a:sym typeface="Wingdings" panose="05000000000000000000" pitchFamily="2" charset="2"/>
               </a:rPr>
               <a:t> Interface</a:t>
             </a:r>
-            <a:endParaRPr lang="en-DK" sz="2400"/>
-          </a:p>
-          <a:p>
-            <a:r>
-              <a:rPr lang="en-US" sz="2400"/>
+            <a:endParaRPr lang="en-DK" sz="2400" dirty="0"/>
+          </a:p>
+          <a:p>
+            <a:r>
+              <a:rPr lang="en-US" sz="2400" dirty="0"/>
               <a:t>Software components are binary units of independent production, acquisition, and deployment that interact to form a functioning system.[Szyperski1999]</a:t>
             </a:r>
-            <a:endParaRPr lang="en-DK" sz="2400"/>
+            <a:endParaRPr lang="en-DK" sz="2400" dirty="0"/>
           </a:p>
         </p:txBody>
       </p:sp>
@@ -11012,7 +11090,7 @@
                   <a:srgbClr val="FFFFFF"/>
                 </a:solidFill>
               </a:rPr>
-              <a:t>. High-level modules depends on low-level. </a:t>
+              <a:t>. High-level modules depends on low-level. Skal </a:t>
             </a:r>
             <a:r>
               <a:rPr lang="en-US" sz="1700" dirty="0" err="1">
@@ -11020,7 +11098,7 @@
                   <a:srgbClr val="FFFFFF"/>
                 </a:solidFill>
               </a:rPr>
-              <a:t>Skal</a:t>
+              <a:t>inverteres</a:t>
             </a:r>
             <a:r>
               <a:rPr lang="en-US" sz="1700" dirty="0">
@@ -11028,6 +11106,38 @@
                   <a:srgbClr val="FFFFFF"/>
                 </a:solidFill>
               </a:rPr>
+              <a:t>, </a:t>
+            </a:r>
+            <a:r>
+              <a:rPr lang="en-US" sz="1700" dirty="0" err="1">
+                <a:solidFill>
+                  <a:srgbClr val="FFFFFF"/>
+                </a:solidFill>
+              </a:rPr>
+              <a:t>så</a:t>
+            </a:r>
+            <a:r>
+              <a:rPr lang="en-US" sz="1700" dirty="0">
+                <a:solidFill>
+                  <a:srgbClr val="FFFFFF"/>
+                </a:solidFill>
+              </a:rPr>
+              <a:t> der </a:t>
+            </a:r>
+            <a:r>
+              <a:rPr lang="en-US" sz="1700" dirty="0" err="1">
+                <a:solidFill>
+                  <a:srgbClr val="FFFFFF"/>
+                </a:solidFill>
+              </a:rPr>
+              <a:t>dependes</a:t>
+            </a:r>
+            <a:r>
+              <a:rPr lang="en-US" sz="1700" dirty="0">
+                <a:solidFill>
+                  <a:srgbClr val="FFFFFF"/>
+                </a:solidFill>
+              </a:rPr>
               <a:t> </a:t>
             </a:r>
             <a:r>
@@ -11036,7 +11146,7 @@
                   <a:srgbClr val="FFFFFF"/>
                 </a:solidFill>
               </a:rPr>
-              <a:t>inverteres</a:t>
+              <a:t>på</a:t>
             </a:r>
             <a:r>
               <a:rPr lang="en-US" sz="1700" dirty="0">
@@ -11044,73 +11154,17 @@
                   <a:srgbClr val="FFFFFF"/>
                 </a:solidFill>
               </a:rPr>
-              <a:t>, </a:t>
-            </a:r>
-            <a:r>
-              <a:rPr lang="en-US" sz="1700" dirty="0" err="1">
+              <a:t> abstractions.</a:t>
+            </a:r>
+          </a:p>
+          <a:p>
+            <a:r>
+              <a:rPr lang="da-DK" sz="1700" dirty="0">
                 <a:solidFill>
                   <a:srgbClr val="FFFFFF"/>
                 </a:solidFill>
               </a:rPr>
-              <a:t>så</a:t>
-            </a:r>
-            <a:r>
-              <a:rPr lang="en-US" sz="1700" dirty="0">
-                <a:solidFill>
-                  <a:srgbClr val="FFFFFF"/>
-                </a:solidFill>
-              </a:rPr>
-              <a:t> det </a:t>
-            </a:r>
-            <a:r>
-              <a:rPr lang="en-US" sz="1700" dirty="0" err="1">
-                <a:solidFill>
-                  <a:srgbClr val="FFFFFF"/>
-                </a:solidFill>
-              </a:rPr>
-              <a:t>er</a:t>
-            </a:r>
-            <a:r>
-              <a:rPr lang="en-US" sz="1700" dirty="0">
-                <a:solidFill>
-                  <a:srgbClr val="FFFFFF"/>
-                </a:solidFill>
-              </a:rPr>
-              <a:t> </a:t>
-            </a:r>
-            <a:r>
-              <a:rPr lang="en-US" sz="1700" dirty="0" err="1">
-                <a:solidFill>
-                  <a:srgbClr val="FFFFFF"/>
-                </a:solidFill>
-              </a:rPr>
-              <a:t>omvendt</a:t>
-            </a:r>
-            <a:r>
-              <a:rPr lang="en-US" sz="1700" dirty="0">
-                <a:solidFill>
-                  <a:srgbClr val="FFFFFF"/>
-                </a:solidFill>
-              </a:rPr>
-              <a:t>.</a:t>
-            </a:r>
-          </a:p>
-          <a:p>
-            <a:r>
-              <a:rPr lang="da-DK" sz="1700">
-                <a:solidFill>
-                  <a:srgbClr val="FFFFFF"/>
-                </a:solidFill>
-              </a:rPr>
-              <a:t>Både </a:t>
-            </a:r>
-            <a:r>
-              <a:rPr lang="da-DK" sz="1700" dirty="0">
-                <a:solidFill>
-                  <a:srgbClr val="FFFFFF"/>
-                </a:solidFill>
-              </a:rPr>
-              <a:t>high og low </a:t>
+              <a:t>Både high og low </a:t>
             </a:r>
             <a:r>
               <a:rPr lang="da-DK" sz="1700" dirty="0" err="1">
@@ -11308,8 +11362,12 @@
           <a:lstStyle/>
           <a:p>
             <a:r>
-              <a:rPr lang="en-DK" sz="3700" dirty="0"/>
-              <a:t>Dependency-Inversion </a:t>
+              <a:rPr lang="da-DK" sz="3700"/>
+              <a:t>Interface segregation</a:t>
+            </a:r>
+            <a:r>
+              <a:rPr lang="en-DK" sz="3700"/>
+              <a:t> </a:t>
             </a:r>
             <a:br>
               <a:rPr lang="da-DK" sz="3700" dirty="0"/>
@@ -11324,15 +11382,11 @@
             </a:r>
             <a:r>
               <a:rPr lang="en-DK" sz="3700" dirty="0"/>
-              <a:t>(</a:t>
-            </a:r>
-            <a:r>
-              <a:rPr lang="en-US" sz="3700" dirty="0"/>
-              <a:t>D</a:t>
-            </a:r>
-            <a:r>
-              <a:rPr lang="en-DK" sz="3700" dirty="0"/>
-              <a:t>I</a:t>
+              <a:t>(I</a:t>
+            </a:r>
+            <a:r>
+              <a:rPr lang="da-DK" sz="3700" dirty="0"/>
+              <a:t>S</a:t>
             </a:r>
             <a:r>
               <a:rPr lang="en-US" sz="3700" dirty="0"/>
